--- a/R101_0724.pptx
+++ b/R101_0724.pptx
@@ -14,7 +14,8 @@
     <p:sldId id="275" r:id="rId8"/>
     <p:sldId id="277" r:id="rId9"/>
     <p:sldId id="281" r:id="rId10"/>
-    <p:sldId id="271" r:id="rId11"/>
+    <p:sldId id="283" r:id="rId11"/>
+    <p:sldId id="271" r:id="rId12"/>
   </p:sldIdLst>
   <p:sldSz cx="9144000" cy="6858000" type="screen4x3"/>
   <p:notesSz cx="6858000" cy="9144000"/>
@@ -3112,38 +3113,6 @@
           </a:p>
         </p:txBody>
       </p:sp>
-      <p:sp>
-        <p:nvSpPr>
-          <p:cNvPr id="5" name="矩形 4"/>
-          <p:cNvSpPr/>
-          <p:nvPr/>
-        </p:nvSpPr>
-        <p:spPr>
-          <a:xfrm>
-            <a:off x="304799" y="6417488"/>
-            <a:ext cx="3860801" cy="276999"/>
-          </a:xfrm>
-          <a:prstGeom prst="rect">
-            <a:avLst/>
-          </a:prstGeom>
-        </p:spPr>
-        <p:txBody>
-          <a:bodyPr wrap="square">
-            <a:spAutoFit/>
-          </a:bodyPr>
-          <a:lstStyle/>
-          <a:p>
-            <a:pPr algn="ctr"/>
-            <a:r>
-              <a:rPr lang="en-US" altLang="zh-TW" sz="1200" dirty="0">
-                <a:hlinkClick r:id="rId2"/>
-              </a:rPr>
-              <a:t>https://sites.google.com/gap.cgu.edu.tw/emba-bigdata/</a:t>
-            </a:r>
-            <a:endParaRPr lang="en-US" altLang="zh-TW" sz="1200" dirty="0"/>
-          </a:p>
-        </p:txBody>
-      </p:sp>
       <p:pic>
         <p:nvPicPr>
           <p:cNvPr id="1026" name="Picture 2" descr="http://static.giantbomb.com/uploads/original/0/6948/1519232-geek_poke02.jpg"/>
@@ -3153,7 +3122,7 @@
           <p:nvPr/>
         </p:nvPicPr>
         <p:blipFill>
-          <a:blip r:embed="rId3">
+          <a:blip r:embed="rId2">
             <a:extLst>
               <a:ext uri="{28A0092B-C50C-407E-A947-70E740481C1C}">
                 <a14:useLocalDpi xmlns:a14="http://schemas.microsoft.com/office/drawing/2010/main" val="0"/>
@@ -3239,6 +3208,184 @@
           <a:p>
             <a:r>
               <a:rPr lang="en-US" altLang="zh-TW" dirty="0" smtClean="0"/>
+              <a:t>Course Materials</a:t>
+            </a:r>
+            <a:endParaRPr lang="zh-TW" altLang="en-US" dirty="0"/>
+          </a:p>
+        </p:txBody>
+      </p:sp>
+      <p:sp>
+        <p:nvSpPr>
+          <p:cNvPr id="5" name="內容版面配置區 4"/>
+          <p:cNvSpPr>
+            <a:spLocks noGrp="1"/>
+          </p:cNvSpPr>
+          <p:nvPr>
+            <p:ph idx="1"/>
+          </p:nvPr>
+        </p:nvSpPr>
+        <p:spPr/>
+        <p:txBody>
+          <a:bodyPr>
+            <a:normAutofit/>
+          </a:bodyPr>
+          <a:lstStyle/>
+          <a:p>
+            <a:r>
+              <a:rPr lang="zh-TW" altLang="en-US" dirty="0" smtClean="0"/>
+              <a:t>課程相關資</a:t>
+            </a:r>
+            <a:r>
+              <a:rPr lang="zh-TW" altLang="en-US" dirty="0"/>
+              <a:t>料</a:t>
+            </a:r>
+            <a:endParaRPr lang="en-US" altLang="zh-TW" dirty="0" smtClean="0">
+              <a:hlinkClick r:id="rId2"/>
+            </a:endParaRPr>
+          </a:p>
+          <a:p>
+            <a:pPr lvl="1"/>
+            <a:r>
+              <a:rPr lang="en-US" altLang="zh-TW" dirty="0" smtClean="0">
+                <a:hlinkClick r:id="rId2"/>
+              </a:rPr>
+              <a:t>https</a:t>
+            </a:r>
+            <a:r>
+              <a:rPr lang="en-US" altLang="zh-TW" dirty="0">
+                <a:hlinkClick r:id="rId2"/>
+              </a:rPr>
+              <a:t>://</a:t>
+            </a:r>
+            <a:r>
+              <a:rPr lang="en-US" altLang="zh-TW" dirty="0" smtClean="0">
+                <a:hlinkClick r:id="rId2"/>
+              </a:rPr>
+              <a:t>github.com/yijutseng/CGMH_R</a:t>
+            </a:r>
+            <a:endParaRPr lang="en-US" altLang="zh-TW" dirty="0"/>
+          </a:p>
+          <a:p>
+            <a:pPr lvl="1"/>
+            <a:r>
+              <a:rPr lang="zh-TW" altLang="en-US" dirty="0" smtClean="0"/>
+              <a:t>網頁</a:t>
+            </a:r>
+            <a:r>
+              <a:rPr lang="zh-TW" altLang="en-US" dirty="0"/>
+              <a:t>投影片</a:t>
+            </a:r>
+            <a:r>
+              <a:rPr lang="en-US" altLang="zh-TW" dirty="0" smtClean="0"/>
+              <a:t>:</a:t>
+            </a:r>
+            <a:r>
+              <a:rPr lang="zh-TW" altLang="en-US" dirty="0" smtClean="0"/>
+              <a:t> </a:t>
+            </a:r>
+            <a:r>
+              <a:rPr lang="en-US" altLang="zh-TW" dirty="0" smtClean="0"/>
+              <a:t>xx.html</a:t>
+            </a:r>
+            <a:endParaRPr lang="en-US" altLang="zh-TW" dirty="0"/>
+          </a:p>
+          <a:p>
+            <a:pPr lvl="1"/>
+            <a:r>
+              <a:rPr lang="zh-TW" altLang="en-US" dirty="0"/>
+              <a:t>可</a:t>
+            </a:r>
+            <a:r>
+              <a:rPr lang="zh-TW" altLang="en-US" dirty="0" smtClean="0"/>
+              <a:t>列印</a:t>
+            </a:r>
+            <a:r>
+              <a:rPr lang="en-US" altLang="zh-TW" dirty="0" smtClean="0"/>
+              <a:t>/</a:t>
+            </a:r>
+            <a:r>
+              <a:rPr lang="zh-TW" altLang="en-US" dirty="0" smtClean="0"/>
+              <a:t>複製程式碼</a:t>
+            </a:r>
+            <a:r>
+              <a:rPr lang="en-US" altLang="zh-TW" dirty="0" smtClean="0"/>
+              <a:t>: xx.md</a:t>
+            </a:r>
+          </a:p>
+          <a:p>
+            <a:pPr lvl="1"/>
+            <a:endParaRPr lang="en-US" altLang="zh-TW" dirty="0"/>
+          </a:p>
+          <a:p>
+            <a:r>
+              <a:rPr lang="zh-TW" altLang="en-US" dirty="0" smtClean="0"/>
+              <a:t>搭配電子書</a:t>
+            </a:r>
+            <a:endParaRPr lang="en-US" altLang="zh-TW" dirty="0" smtClean="0"/>
+          </a:p>
+          <a:p>
+            <a:pPr lvl="1"/>
+            <a:r>
+              <a:rPr lang="en-US" altLang="zh-TW" dirty="0">
+                <a:hlinkClick r:id="rId3"/>
+              </a:rPr>
+              <a:t>http://yijutseng.github.io/DataScienceRBook/</a:t>
+            </a:r>
+            <a:endParaRPr lang="en-US" altLang="zh-TW" dirty="0"/>
+          </a:p>
+          <a:p>
+            <a:pPr lvl="1"/>
+            <a:endParaRPr lang="en-US" altLang="zh-TW" dirty="0"/>
+          </a:p>
+        </p:txBody>
+      </p:sp>
+    </p:spTree>
+    <p:extLst>
+      <p:ext uri="{BB962C8B-B14F-4D97-AF65-F5344CB8AC3E}">
+        <p14:creationId xmlns:p14="http://schemas.microsoft.com/office/powerpoint/2010/main" val="3127636100"/>
+      </p:ext>
+    </p:extLst>
+  </p:cSld>
+  <p:clrMapOvr>
+    <a:masterClrMapping/>
+  </p:clrMapOvr>
+</p:sld>
+</file>
+
+<file path=ppt/slides/slide11.xml><?xml version="1.0" encoding="utf-8"?>
+<p:sld xmlns:a="http://schemas.openxmlformats.org/drawingml/2006/main" xmlns:r="http://schemas.openxmlformats.org/officeDocument/2006/relationships" xmlns:p="http://schemas.openxmlformats.org/presentationml/2006/main">
+  <p:cSld>
+    <p:spTree>
+      <p:nvGrpSpPr>
+        <p:cNvPr id="1" name=""/>
+        <p:cNvGrpSpPr/>
+        <p:nvPr/>
+      </p:nvGrpSpPr>
+      <p:grpSpPr>
+        <a:xfrm>
+          <a:off x="0" y="0"/>
+          <a:ext cx="0" cy="0"/>
+          <a:chOff x="0" y="0"/>
+          <a:chExt cx="0" cy="0"/>
+        </a:xfrm>
+      </p:grpSpPr>
+      <p:sp>
+        <p:nvSpPr>
+          <p:cNvPr id="4" name="標題 3"/>
+          <p:cNvSpPr>
+            <a:spLocks noGrp="1"/>
+          </p:cNvSpPr>
+          <p:nvPr>
+            <p:ph type="title"/>
+          </p:nvPr>
+        </p:nvSpPr>
+        <p:spPr/>
+        <p:txBody>
+          <a:bodyPr/>
+          <a:lstStyle/>
+          <a:p>
+            <a:r>
+              <a:rPr lang="en-US" altLang="zh-TW" dirty="0" smtClean="0"/>
               <a:t>Questions?</a:t>
             </a:r>
             <a:endParaRPr lang="zh-TW" altLang="en-US" dirty="0"/>
@@ -3343,46 +3490,13 @@
           <a:p>
             <a:r>
               <a:rPr lang="en-US" altLang="zh-TW" dirty="0" smtClean="0"/>
-              <a:t>R Programming</a:t>
-            </a:r>
-          </a:p>
-          <a:p>
-            <a:pPr lvl="1"/>
-            <a:r>
-              <a:rPr lang="zh-TW" altLang="en-US" dirty="0" smtClean="0"/>
-              <a:t>軟體安裝</a:t>
+              <a:t>R </a:t>
+            </a:r>
+            <a:r>
+              <a:rPr lang="en-US" altLang="zh-TW" dirty="0" smtClean="0"/>
+              <a:t>Programming</a:t>
             </a:r>
             <a:endParaRPr lang="en-US" altLang="zh-TW" dirty="0" smtClean="0"/>
-          </a:p>
-          <a:p>
-            <a:pPr lvl="1"/>
-            <a:r>
-              <a:rPr lang="en-US" altLang="zh-TW" dirty="0" smtClean="0"/>
-              <a:t>R</a:t>
-            </a:r>
-            <a:r>
-              <a:rPr lang="zh-TW" altLang="en-US" dirty="0" smtClean="0"/>
-              <a:t> </a:t>
-            </a:r>
-            <a:r>
-              <a:rPr lang="en-US" altLang="zh-TW" dirty="0" smtClean="0"/>
-              <a:t>101</a:t>
-            </a:r>
-          </a:p>
-          <a:p>
-            <a:pPr lvl="1"/>
-            <a:r>
-              <a:rPr lang="en-US" altLang="zh-TW" dirty="0" smtClean="0"/>
-              <a:t>Data structure</a:t>
-            </a:r>
-          </a:p>
-          <a:p>
-            <a:pPr lvl="1"/>
-            <a:r>
-              <a:rPr lang="en-US" altLang="zh-TW" dirty="0" smtClean="0"/>
-              <a:t>If-else</a:t>
-            </a:r>
-            <a:endParaRPr lang="zh-TW" altLang="en-US" dirty="0"/>
           </a:p>
         </p:txBody>
       </p:sp>

--- a/R101_0724.pptx
+++ b/R101_0724.pptx
@@ -253,7 +253,7 @@
           <a:p>
             <a:fld id="{FD78C8C1-60DC-4B77-8758-6558409F8387}" type="datetimeFigureOut">
               <a:rPr lang="zh-TW" altLang="en-US" smtClean="0"/>
-              <a:t>2017/7/21</a:t>
+              <a:t>2017/7/23</a:t>
             </a:fld>
             <a:endParaRPr lang="zh-TW" altLang="en-US"/>
           </a:p>
@@ -430,7 +430,7 @@
           <a:p>
             <a:fld id="{FD78C8C1-60DC-4B77-8758-6558409F8387}" type="datetimeFigureOut">
               <a:rPr lang="zh-TW" altLang="en-US" smtClean="0"/>
-              <a:t>2017/7/21</a:t>
+              <a:t>2017/7/23</a:t>
             </a:fld>
             <a:endParaRPr lang="zh-TW" altLang="en-US"/>
           </a:p>
@@ -610,7 +610,7 @@
           <a:p>
             <a:fld id="{FD78C8C1-60DC-4B77-8758-6558409F8387}" type="datetimeFigureOut">
               <a:rPr lang="zh-TW" altLang="en-US" smtClean="0"/>
-              <a:t>2017/7/21</a:t>
+              <a:t>2017/7/23</a:t>
             </a:fld>
             <a:endParaRPr lang="zh-TW" altLang="en-US"/>
           </a:p>
@@ -798,7 +798,7 @@
           <a:p>
             <a:fld id="{FD78C8C1-60DC-4B77-8758-6558409F8387}" type="datetimeFigureOut">
               <a:rPr lang="zh-TW" altLang="en-US" smtClean="0"/>
-              <a:t>2017/7/21</a:t>
+              <a:t>2017/7/23</a:t>
             </a:fld>
             <a:endParaRPr lang="zh-TW" altLang="en-US"/>
           </a:p>
@@ -1051,7 +1051,7 @@
           <a:p>
             <a:fld id="{FD78C8C1-60DC-4B77-8758-6558409F8387}" type="datetimeFigureOut">
               <a:rPr lang="zh-TW" altLang="en-US" smtClean="0"/>
-              <a:t>2017/7/21</a:t>
+              <a:t>2017/7/23</a:t>
             </a:fld>
             <a:endParaRPr lang="zh-TW" altLang="en-US"/>
           </a:p>
@@ -1290,7 +1290,7 @@
           <a:p>
             <a:fld id="{FD78C8C1-60DC-4B77-8758-6558409F8387}" type="datetimeFigureOut">
               <a:rPr lang="zh-TW" altLang="en-US" smtClean="0"/>
-              <a:t>2017/7/21</a:t>
+              <a:t>2017/7/23</a:t>
             </a:fld>
             <a:endParaRPr lang="zh-TW" altLang="en-US"/>
           </a:p>
@@ -1657,7 +1657,7 @@
           <a:p>
             <a:fld id="{FD78C8C1-60DC-4B77-8758-6558409F8387}" type="datetimeFigureOut">
               <a:rPr lang="zh-TW" altLang="en-US" smtClean="0"/>
-              <a:t>2017/7/21</a:t>
+              <a:t>2017/7/23</a:t>
             </a:fld>
             <a:endParaRPr lang="zh-TW" altLang="en-US"/>
           </a:p>
@@ -1775,7 +1775,7 @@
           <a:p>
             <a:fld id="{FD78C8C1-60DC-4B77-8758-6558409F8387}" type="datetimeFigureOut">
               <a:rPr lang="zh-TW" altLang="en-US" smtClean="0"/>
-              <a:t>2017/7/21</a:t>
+              <a:t>2017/7/23</a:t>
             </a:fld>
             <a:endParaRPr lang="zh-TW" altLang="en-US"/>
           </a:p>
@@ -1870,7 +1870,7 @@
           <a:p>
             <a:fld id="{FD78C8C1-60DC-4B77-8758-6558409F8387}" type="datetimeFigureOut">
               <a:rPr lang="zh-TW" altLang="en-US" smtClean="0"/>
-              <a:t>2017/7/21</a:t>
+              <a:t>2017/7/23</a:t>
             </a:fld>
             <a:endParaRPr lang="zh-TW" altLang="en-US"/>
           </a:p>
@@ -2147,7 +2147,7 @@
           <a:p>
             <a:fld id="{FD78C8C1-60DC-4B77-8758-6558409F8387}" type="datetimeFigureOut">
               <a:rPr lang="zh-TW" altLang="en-US" smtClean="0"/>
-              <a:t>2017/7/21</a:t>
+              <a:t>2017/7/23</a:t>
             </a:fld>
             <a:endParaRPr lang="zh-TW" altLang="en-US"/>
           </a:p>
@@ -2404,7 +2404,7 @@
           <a:p>
             <a:fld id="{FD78C8C1-60DC-4B77-8758-6558409F8387}" type="datetimeFigureOut">
               <a:rPr lang="zh-TW" altLang="en-US" smtClean="0"/>
-              <a:t>2017/7/21</a:t>
+              <a:t>2017/7/23</a:t>
             </a:fld>
             <a:endParaRPr lang="zh-TW" altLang="en-US"/>
           </a:p>
@@ -2617,7 +2617,7 @@
           <a:p>
             <a:fld id="{FD78C8C1-60DC-4B77-8758-6558409F8387}" type="datetimeFigureOut">
               <a:rPr lang="zh-TW" altLang="en-US" smtClean="0"/>
-              <a:t>2017/7/21</a:t>
+              <a:t>2017/7/23</a:t>
             </a:fld>
             <a:endParaRPr lang="zh-TW" altLang="en-US"/>
           </a:p>
@@ -3227,7 +3227,7 @@
         <p:spPr/>
         <p:txBody>
           <a:bodyPr>
-            <a:normAutofit/>
+            <a:normAutofit fontScale="92500"/>
           </a:bodyPr>
           <a:lstStyle/>
           <a:p>
@@ -3335,7 +3335,38 @@
           </a:p>
           <a:p>
             <a:pPr lvl="1"/>
-            <a:endParaRPr lang="en-US" altLang="zh-TW" dirty="0"/>
+            <a:endParaRPr lang="en-US" altLang="zh-TW" dirty="0" smtClean="0"/>
+          </a:p>
+          <a:p>
+            <a:r>
+              <a:rPr lang="zh-TW" altLang="en-US" dirty="0" smtClean="0"/>
+              <a:t>上</a:t>
+            </a:r>
+            <a:r>
+              <a:rPr lang="zh-TW" altLang="en-US" dirty="0"/>
+              <a:t>課</a:t>
+            </a:r>
+            <a:r>
+              <a:rPr lang="zh-TW" altLang="en-US" dirty="0" smtClean="0"/>
+              <a:t>用資料</a:t>
+            </a:r>
+            <a:endParaRPr lang="en-US" altLang="zh-TW" dirty="0" smtClean="0"/>
+          </a:p>
+          <a:p>
+            <a:pPr lvl="1"/>
+            <a:r>
+              <a:rPr lang="en-US" altLang="zh-TW" dirty="0">
+                <a:hlinkClick r:id="rId4"/>
+              </a:rPr>
+              <a:t>https://</a:t>
+            </a:r>
+            <a:r>
+              <a:rPr lang="en-US" altLang="zh-TW" dirty="0" smtClean="0">
+                <a:hlinkClick r:id="rId4"/>
+              </a:rPr>
+              <a:t>www.dropbox.com/s/27ofk62ekn4cbk2/Data.zip</a:t>
+            </a:r>
+            <a:endParaRPr lang="en-US" altLang="zh-TW" dirty="0" smtClean="0"/>
           </a:p>
         </p:txBody>
       </p:sp>
@@ -3490,13 +3521,8 @@
           <a:p>
             <a:r>
               <a:rPr lang="en-US" altLang="zh-TW" dirty="0" smtClean="0"/>
-              <a:t>R </a:t>
-            </a:r>
-            <a:r>
-              <a:rPr lang="en-US" altLang="zh-TW" dirty="0" smtClean="0"/>
-              <a:t>Programming</a:t>
-            </a:r>
-            <a:endParaRPr lang="en-US" altLang="zh-TW" dirty="0" smtClean="0"/>
+              <a:t>R Programming</a:t>
+            </a:r>
           </a:p>
         </p:txBody>
       </p:sp>
